--- a/OUTPUT/Data Science Project Presentation.pptx
+++ b/OUTPUT/Data Science Project Presentation.pptx
@@ -219,7 +219,7 @@
           <a:p>
             <a:fld id="{81623B1E-809C-45F7-9877-A501FC60A49C}" type="datetimeFigureOut">
               <a:rPr lang="en-AU" smtClean="0"/>
-              <a:t>27/05/2016</a:t>
+              <a:t>28/05/2016</a:t>
             </a:fld>
             <a:endParaRPr lang="en-AU"/>
           </a:p>
@@ -605,7 +605,7 @@
           <a:p>
             <a:fld id="{4665E195-C89C-4871-8AE9-903FDB8B6D9D}" type="datetimeFigureOut">
               <a:rPr lang="en-US" smtClean="0"/>
-              <a:t>5/27/2016</a:t>
+              <a:t>5/28/2016</a:t>
             </a:fld>
             <a:endParaRPr lang="en-US"/>
           </a:p>
@@ -805,7 +805,7 @@
           <a:p>
             <a:fld id="{4665E195-C89C-4871-8AE9-903FDB8B6D9D}" type="datetimeFigureOut">
               <a:rPr lang="en-US" smtClean="0"/>
-              <a:t>5/27/2016</a:t>
+              <a:t>5/28/2016</a:t>
             </a:fld>
             <a:endParaRPr lang="en-US"/>
           </a:p>
@@ -975,7 +975,7 @@
           <a:p>
             <a:fld id="{4665E195-C89C-4871-8AE9-903FDB8B6D9D}" type="datetimeFigureOut">
               <a:rPr lang="en-US" smtClean="0"/>
-              <a:t>5/27/2016</a:t>
+              <a:t>5/28/2016</a:t>
             </a:fld>
             <a:endParaRPr lang="en-US"/>
           </a:p>
@@ -1155,7 +1155,7 @@
           <a:p>
             <a:fld id="{4665E195-C89C-4871-8AE9-903FDB8B6D9D}" type="datetimeFigureOut">
               <a:rPr lang="en-US" smtClean="0"/>
-              <a:t>5/27/2016</a:t>
+              <a:t>5/28/2016</a:t>
             </a:fld>
             <a:endParaRPr lang="en-US"/>
           </a:p>
@@ -1325,7 +1325,7 @@
           <a:p>
             <a:fld id="{4665E195-C89C-4871-8AE9-903FDB8B6D9D}" type="datetimeFigureOut">
               <a:rPr lang="en-US" smtClean="0"/>
-              <a:t>5/27/2016</a:t>
+              <a:t>5/28/2016</a:t>
             </a:fld>
             <a:endParaRPr lang="en-US"/>
           </a:p>
@@ -1517,7 +1517,7 @@
           <a:p>
             <a:fld id="{4665E195-C89C-4871-8AE9-903FDB8B6D9D}" type="datetimeFigureOut">
               <a:rPr lang="en-US" smtClean="0"/>
-              <a:t>5/27/2016</a:t>
+              <a:t>5/28/2016</a:t>
             </a:fld>
             <a:endParaRPr lang="en-US"/>
           </a:p>
@@ -1805,7 +1805,7 @@
           <a:p>
             <a:fld id="{4665E195-C89C-4871-8AE9-903FDB8B6D9D}" type="datetimeFigureOut">
               <a:rPr lang="en-US" smtClean="0"/>
-              <a:t>5/27/2016</a:t>
+              <a:t>5/28/2016</a:t>
             </a:fld>
             <a:endParaRPr lang="en-US"/>
           </a:p>
@@ -2228,7 +2228,7 @@
           <a:p>
             <a:fld id="{4665E195-C89C-4871-8AE9-903FDB8B6D9D}" type="datetimeFigureOut">
               <a:rPr lang="en-US" smtClean="0"/>
-              <a:t>5/27/2016</a:t>
+              <a:t>5/28/2016</a:t>
             </a:fld>
             <a:endParaRPr lang="en-US"/>
           </a:p>
@@ -2346,7 +2346,7 @@
           <a:p>
             <a:fld id="{4665E195-C89C-4871-8AE9-903FDB8B6D9D}" type="datetimeFigureOut">
               <a:rPr lang="en-US" smtClean="0"/>
-              <a:t>5/27/2016</a:t>
+              <a:t>5/28/2016</a:t>
             </a:fld>
             <a:endParaRPr lang="en-US"/>
           </a:p>
@@ -2441,7 +2441,7 @@
           <a:p>
             <a:fld id="{4665E195-C89C-4871-8AE9-903FDB8B6D9D}" type="datetimeFigureOut">
               <a:rPr lang="en-US" smtClean="0"/>
-              <a:t>5/27/2016</a:t>
+              <a:t>5/28/2016</a:t>
             </a:fld>
             <a:endParaRPr lang="en-US"/>
           </a:p>
@@ -2718,7 +2718,7 @@
           <a:p>
             <a:fld id="{4665E195-C89C-4871-8AE9-903FDB8B6D9D}" type="datetimeFigureOut">
               <a:rPr lang="en-US" smtClean="0"/>
-              <a:t>5/27/2016</a:t>
+              <a:t>5/28/2016</a:t>
             </a:fld>
             <a:endParaRPr lang="en-US"/>
           </a:p>
@@ -3102,7 +3102,7 @@
           <a:p>
             <a:fld id="{4665E195-C89C-4871-8AE9-903FDB8B6D9D}" type="datetimeFigureOut">
               <a:rPr lang="en-US" smtClean="0"/>
-              <a:t>5/27/2016</a:t>
+              <a:t>5/28/2016</a:t>
             </a:fld>
             <a:endParaRPr lang="en-US"/>
           </a:p>
@@ -3492,15 +3492,9 @@
   <p:cSld>
     <p:bg>
       <p:bgPr>
-        <a:blipFill dpi="0" rotWithShape="1">
-          <a:blip r:embed="rId2">
-            <a:lum/>
-          </a:blip>
-          <a:srcRect/>
-          <a:stretch>
-            <a:fillRect/>
-          </a:stretch>
-        </a:blipFill>
+        <a:solidFill>
+          <a:schemeClr val="bg1"/>
+        </a:solidFill>
         <a:effectLst/>
       </p:bgPr>
     </p:bg>
@@ -3601,7 +3595,7 @@
           <p:nvPr/>
         </p:nvPicPr>
         <p:blipFill>
-          <a:blip r:embed="rId3">
+          <a:blip r:embed="rId2">
             <a:extLst>
               <a:ext uri="{28A0092B-C50C-407E-A947-70E740481C1C}">
                 <a14:useLocalDpi xmlns:a14="http://schemas.microsoft.com/office/drawing/2010/main" val="0"/>
@@ -3634,7 +3628,7 @@
           <p:nvPr/>
         </p:nvPicPr>
         <p:blipFill>
-          <a:blip r:embed="rId4">
+          <a:blip r:embed="rId3">
             <a:extLst>
               <a:ext uri="{28A0092B-C50C-407E-A947-70E740481C1C}">
                 <a14:useLocalDpi xmlns:a14="http://schemas.microsoft.com/office/drawing/2010/main" val="0"/>
@@ -3686,6 +3680,14 @@
 <file path=ppt/slides/slide10.xml><?xml version="1.0" encoding="utf-8"?>
 <p:sld xmlns:a="http://schemas.openxmlformats.org/drawingml/2006/main" xmlns:r="http://schemas.openxmlformats.org/officeDocument/2006/relationships" xmlns:p="http://schemas.openxmlformats.org/presentationml/2006/main">
   <p:cSld>
+    <p:bg>
+      <p:bgPr>
+        <a:solidFill>
+          <a:schemeClr val="bg1"/>
+        </a:solidFill>
+        <a:effectLst/>
+      </p:bgPr>
+    </p:bg>
     <p:spTree>
       <p:nvGrpSpPr>
         <p:cNvPr id="1" name=""/>
@@ -3752,7 +3754,15 @@
             <a:pPr marL="685800" lvl="2"/>
             <a:r>
               <a:rPr lang="en-AU" dirty="0"/>
-              <a:t>Winning entrant stacked a number of models (Gradient Bosting, Random Forests and Neural </a:t>
+              <a:t>Winning entrant stacked a number of models (Gradient </a:t>
+            </a:r>
+            <a:r>
+              <a:rPr lang="en-AU" dirty="0" smtClean="0"/>
+              <a:t>Boosting</a:t>
+            </a:r>
+            <a:r>
+              <a:rPr lang="en-AU" dirty="0"/>
+              <a:t>, Random Forests and Neural </a:t>
             </a:r>
             <a:r>
               <a:rPr lang="en-AU" dirty="0" smtClean="0"/>
@@ -3846,6 +3856,14 @@
 <file path=ppt/slides/slide11.xml><?xml version="1.0" encoding="utf-8"?>
 <p:sld xmlns:a="http://schemas.openxmlformats.org/drawingml/2006/main" xmlns:r="http://schemas.openxmlformats.org/officeDocument/2006/relationships" xmlns:p="http://schemas.openxmlformats.org/presentationml/2006/main">
   <p:cSld>
+    <p:bg>
+      <p:bgPr>
+        <a:solidFill>
+          <a:schemeClr val="bg1"/>
+        </a:solidFill>
+        <a:effectLst/>
+      </p:bgPr>
+    </p:bg>
     <p:spTree>
       <p:nvGrpSpPr>
         <p:cNvPr id="1" name=""/>
@@ -3984,15 +4002,9 @@
   <p:cSld>
     <p:bg>
       <p:bgPr>
-        <a:blipFill dpi="0" rotWithShape="1">
-          <a:blip r:embed="rId2">
-            <a:lum/>
-          </a:blip>
-          <a:srcRect/>
-          <a:stretch>
-            <a:fillRect/>
-          </a:stretch>
-        </a:blipFill>
+        <a:solidFill>
+          <a:schemeClr val="bg1"/>
+        </a:solidFill>
         <a:effectLst/>
       </p:bgPr>
     </p:bg>
@@ -4065,7 +4077,7 @@
           <p:nvPr/>
         </p:nvPicPr>
         <p:blipFill>
-          <a:blip r:embed="rId3">
+          <a:blip r:embed="rId2">
             <a:extLst>
               <a:ext uri="{28A0092B-C50C-407E-A947-70E740481C1C}">
                 <a14:useLocalDpi xmlns:a14="http://schemas.microsoft.com/office/drawing/2010/main" val="0"/>
@@ -4098,7 +4110,7 @@
           <p:nvPr/>
         </p:nvPicPr>
         <p:blipFill>
-          <a:blip r:embed="rId4">
+          <a:blip r:embed="rId3">
             <a:extLst>
               <a:ext uri="{28A0092B-C50C-407E-A947-70E740481C1C}">
                 <a14:useLocalDpi xmlns:a14="http://schemas.microsoft.com/office/drawing/2010/main" val="0"/>
@@ -4150,6 +4162,14 @@
 <file path=ppt/slides/slide2.xml><?xml version="1.0" encoding="utf-8"?>
 <p:sld xmlns:a="http://schemas.openxmlformats.org/drawingml/2006/main" xmlns:r="http://schemas.openxmlformats.org/officeDocument/2006/relationships" xmlns:p="http://schemas.openxmlformats.org/presentationml/2006/main">
   <p:cSld>
+    <p:bg>
+      <p:bgPr>
+        <a:solidFill>
+          <a:schemeClr val="bg1"/>
+        </a:solidFill>
+        <a:effectLst/>
+      </p:bgPr>
+    </p:bg>
     <p:spTree>
       <p:nvGrpSpPr>
         <p:cNvPr id="1" name=""/>
@@ -4384,6 +4404,14 @@
 <file path=ppt/slides/slide3.xml><?xml version="1.0" encoding="utf-8"?>
 <p:sld xmlns:a="http://schemas.openxmlformats.org/drawingml/2006/main" xmlns:r="http://schemas.openxmlformats.org/officeDocument/2006/relationships" xmlns:p="http://schemas.openxmlformats.org/presentationml/2006/main">
   <p:cSld>
+    <p:bg>
+      <p:bgPr>
+        <a:solidFill>
+          <a:schemeClr val="bg1"/>
+        </a:solidFill>
+        <a:effectLst/>
+      </p:bgPr>
+    </p:bg>
     <p:spTree>
       <p:nvGrpSpPr>
         <p:cNvPr id="1" name=""/>
@@ -4549,6 +4577,14 @@
 <file path=ppt/slides/slide4.xml><?xml version="1.0" encoding="utf-8"?>
 <p:sld xmlns:a="http://schemas.openxmlformats.org/drawingml/2006/main" xmlns:r="http://schemas.openxmlformats.org/officeDocument/2006/relationships" xmlns:p="http://schemas.openxmlformats.org/presentationml/2006/main">
   <p:cSld>
+    <p:bg>
+      <p:bgPr>
+        <a:solidFill>
+          <a:schemeClr val="bg1"/>
+        </a:solidFill>
+        <a:effectLst/>
+      </p:bgPr>
+    </p:bg>
     <p:spTree>
       <p:nvGrpSpPr>
         <p:cNvPr id="1" name=""/>
@@ -4730,6 +4766,14 @@
 <file path=ppt/slides/slide5.xml><?xml version="1.0" encoding="utf-8"?>
 <p:sld xmlns:a="http://schemas.openxmlformats.org/drawingml/2006/main" xmlns:r="http://schemas.openxmlformats.org/officeDocument/2006/relationships" xmlns:p="http://schemas.openxmlformats.org/presentationml/2006/main">
   <p:cSld>
+    <p:bg>
+      <p:bgPr>
+        <a:solidFill>
+          <a:schemeClr val="bg1"/>
+        </a:solidFill>
+        <a:effectLst/>
+      </p:bgPr>
+    </p:bg>
     <p:spTree>
       <p:nvGrpSpPr>
         <p:cNvPr id="1" name=""/>
@@ -4762,49 +4806,118 @@
         </p:spPr>
         <p:txBody>
           <a:bodyPr>
-            <a:normAutofit fontScale="92500"/>
+            <a:normAutofit/>
           </a:bodyPr>
           <a:lstStyle/>
           <a:p>
             <a:r>
+              <a:rPr lang="en-AU" b="1" dirty="0"/>
+              <a:t>Missing data issues </a:t>
+            </a:r>
+            <a:r>
+              <a:rPr lang="en-AU" dirty="0" smtClean="0"/>
+              <a:t>- Monthly Income, Number </a:t>
+            </a:r>
+            <a:r>
               <a:rPr lang="en-AU" dirty="0"/>
-              <a:t>Missing data issues for monthly income and the number of </a:t>
+              <a:t>of </a:t>
+            </a:r>
+            <a:r>
+              <a:rPr lang="en-AU" dirty="0"/>
+              <a:t>D</a:t>
             </a:r>
             <a:r>
               <a:rPr lang="en-AU" dirty="0" smtClean="0"/>
-              <a:t>dependants</a:t>
-            </a:r>
-          </a:p>
-          <a:p>
+              <a:t>ependants</a:t>
+            </a:r>
+            <a:endParaRPr lang="en-AU" dirty="0" smtClean="0"/>
+          </a:p>
+          <a:p>
+            <a:r>
+              <a:rPr lang="en-AU" b="1" dirty="0"/>
+              <a:t>M</a:t>
+            </a:r>
+            <a:r>
+              <a:rPr lang="en-AU" b="1" dirty="0" smtClean="0"/>
+              <a:t>edian</a:t>
+            </a:r>
             <a:r>
               <a:rPr lang="en-AU" dirty="0" smtClean="0"/>
-              <a:t>Some </a:t>
+              <a:t> </a:t>
             </a:r>
             <a:r>
               <a:rPr lang="en-AU" dirty="0"/>
-              <a:t>basic methods such as median for income and mode for the number of dependants were employed. Ultimately more sophisticated approaches could have been investigated.</a:t>
-            </a:r>
-          </a:p>
-          <a:p>
+              <a:t>for income and </a:t>
+            </a:r>
+            <a:r>
+              <a:rPr lang="en-AU" b="1" dirty="0" smtClean="0"/>
+              <a:t>Mode</a:t>
+            </a:r>
+            <a:r>
+              <a:rPr lang="en-AU" dirty="0" smtClean="0"/>
+              <a:t> </a:t>
+            </a:r>
             <a:r>
               <a:rPr lang="en-AU" dirty="0"/>
-              <a:t>Late in the model development process, it was discovered that the </a:t>
-            </a:r>
+              <a:t>for the number of dependants were employed. </a:t>
+            </a:r>
+            <a:endParaRPr lang="en-AU" dirty="0" smtClean="0"/>
+          </a:p>
+          <a:p>
+            <a:pPr lvl="1"/>
             <a:r>
               <a:rPr lang="en-AU" dirty="0" smtClean="0"/>
-              <a:t>debt ratio </a:t>
+              <a:t>Alternative methods – Future development</a:t>
+            </a:r>
+            <a:endParaRPr lang="en-AU" dirty="0" smtClean="0"/>
+          </a:p>
+          <a:p>
+            <a:r>
+              <a:rPr lang="en-AU" b="1" dirty="0" smtClean="0"/>
+              <a:t>Debt </a:t>
+            </a:r>
+            <a:r>
+              <a:rPr lang="en-AU" b="1" dirty="0" smtClean="0"/>
+              <a:t>ratio </a:t>
+            </a:r>
+            <a:r>
+              <a:rPr lang="en-AU" b="1" dirty="0" smtClean="0"/>
+              <a:t>incorrect </a:t>
+            </a:r>
+            <a:r>
+              <a:rPr lang="en-AU" dirty="0" smtClean="0"/>
+              <a:t>when original </a:t>
             </a:r>
             <a:r>
               <a:rPr lang="en-AU" dirty="0"/>
-              <a:t>was not a ratio when the original data was missing. So a simple </a:t>
+              <a:t>data was </a:t>
             </a:r>
             <a:r>
               <a:rPr lang="en-AU" dirty="0" smtClean="0"/>
-              <a:t>approach </a:t>
+              <a:t>missing.</a:t>
+            </a:r>
+          </a:p>
+          <a:p>
+            <a:pPr lvl="1"/>
+            <a:r>
+              <a:rPr lang="en-AU" dirty="0" smtClean="0"/>
+              <a:t>Recalculated </a:t>
             </a:r>
             <a:r>
               <a:rPr lang="en-AU" dirty="0"/>
-              <a:t>was to use the recalculate the debt ratio. This did help to improve the overall prediction.</a:t>
+              <a:t>the debt ratio. </a:t>
+            </a:r>
+            <a:endParaRPr lang="en-AU" dirty="0" smtClean="0"/>
+          </a:p>
+          <a:p>
+            <a:pPr lvl="1"/>
+            <a:r>
+              <a:rPr lang="en-AU" dirty="0" smtClean="0"/>
+              <a:t>Improvements in prediction</a:t>
+            </a:r>
+            <a:r>
+              <a:rPr lang="en-AU" dirty="0"/>
+              <a:t>.</a:t>
             </a:r>
           </a:p>
         </p:txBody>
@@ -4868,6 +4981,14 @@
 <file path=ppt/slides/slide6.xml><?xml version="1.0" encoding="utf-8"?>
 <p:sld xmlns:a="http://schemas.openxmlformats.org/drawingml/2006/main" xmlns:r="http://schemas.openxmlformats.org/officeDocument/2006/relationships" xmlns:p="http://schemas.openxmlformats.org/presentationml/2006/main">
   <p:cSld>
+    <p:bg>
+      <p:bgPr>
+        <a:solidFill>
+          <a:schemeClr val="bg1"/>
+        </a:solidFill>
+        <a:effectLst/>
+      </p:bgPr>
+    </p:bg>
     <p:spTree>
       <p:nvGrpSpPr>
         <p:cNvPr id="1" name=""/>
@@ -5009,7 +5130,7 @@
         <p:spPr>
           <a:xfrm>
             <a:off x="516835" y="1848678"/>
-            <a:ext cx="4788926" cy="4293483"/>
+            <a:ext cx="4788926" cy="3933384"/>
           </a:xfrm>
           <a:prstGeom prst="rect">
             <a:avLst/>
@@ -5071,7 +5192,7 @@
             <a:endParaRPr lang="en-AU" sz="2600" dirty="0"/>
           </a:p>
           <a:p>
-            <a:pPr marL="228600" indent="-228600">
+            <a:pPr marL="685800" lvl="1" indent="-228600">
               <a:lnSpc>
                 <a:spcPct val="90000"/>
               </a:lnSpc>
@@ -5083,11 +5204,11 @@
             </a:pPr>
             <a:r>
               <a:rPr lang="en-AU" sz="2600" dirty="0"/>
-              <a:t>Large Elastic Compute Cloud significantly improved ability to generate results running large </a:t>
+              <a:t>S</a:t>
             </a:r>
             <a:r>
               <a:rPr lang="en-AU" sz="2600" dirty="0" smtClean="0"/>
-              <a:t>grids</a:t>
+              <a:t>ignificantly improved ability to generate results running large grids</a:t>
             </a:r>
           </a:p>
           <a:p>
@@ -5137,6 +5258,14 @@
 <file path=ppt/slides/slide7.xml><?xml version="1.0" encoding="utf-8"?>
 <p:sld xmlns:a="http://schemas.openxmlformats.org/drawingml/2006/main" xmlns:r="http://schemas.openxmlformats.org/officeDocument/2006/relationships" xmlns:p="http://schemas.openxmlformats.org/presentationml/2006/main">
   <p:cSld>
+    <p:bg>
+      <p:bgPr>
+        <a:solidFill>
+          <a:schemeClr val="bg1"/>
+        </a:solidFill>
+        <a:effectLst/>
+      </p:bgPr>
+    </p:bg>
     <p:spTree>
       <p:nvGrpSpPr>
         <p:cNvPr id="1" name=""/>
@@ -5308,6 +5437,14 @@
 <file path=ppt/slides/slide8.xml><?xml version="1.0" encoding="utf-8"?>
 <p:sld xmlns:a="http://schemas.openxmlformats.org/drawingml/2006/main" xmlns:r="http://schemas.openxmlformats.org/officeDocument/2006/relationships" xmlns:p="http://schemas.openxmlformats.org/presentationml/2006/main">
   <p:cSld>
+    <p:bg>
+      <p:bgPr>
+        <a:solidFill>
+          <a:schemeClr val="bg1"/>
+        </a:solidFill>
+        <a:effectLst/>
+      </p:bgPr>
+    </p:bg>
     <p:spTree>
       <p:nvGrpSpPr>
         <p:cNvPr id="1" name=""/>
@@ -5731,6 +5868,14 @@
 <file path=ppt/slides/slide9.xml><?xml version="1.0" encoding="utf-8"?>
 <p:sld xmlns:a="http://schemas.openxmlformats.org/drawingml/2006/main" xmlns:r="http://schemas.openxmlformats.org/officeDocument/2006/relationships" xmlns:p="http://schemas.openxmlformats.org/presentationml/2006/main">
   <p:cSld>
+    <p:bg>
+      <p:bgPr>
+        <a:solidFill>
+          <a:schemeClr val="bg1"/>
+        </a:solidFill>
+        <a:effectLst/>
+      </p:bgPr>
+    </p:bg>
     <p:spTree>
       <p:nvGrpSpPr>
         <p:cNvPr id="1" name=""/>

--- a/OUTPUT/Data Science Project Presentation.pptx
+++ b/OUTPUT/Data Science Project Presentation.pptx
@@ -219,7 +219,7 @@
           <a:p>
             <a:fld id="{81623B1E-809C-45F7-9877-A501FC60A49C}" type="datetimeFigureOut">
               <a:rPr lang="en-AU" smtClean="0"/>
-              <a:t>28/05/2016</a:t>
+              <a:t>29/05/2016</a:t>
             </a:fld>
             <a:endParaRPr lang="en-AU"/>
           </a:p>
@@ -552,6 +552,90 @@
           <a:p>
             <a:fld id="{86CF100E-3E9B-45A6-B67E-875ABBDAD3F4}" type="slidenum">
               <a:rPr lang="en-AU" smtClean="0"/>
+              <a:t>1</a:t>
+            </a:fld>
+            <a:endParaRPr lang="en-AU"/>
+          </a:p>
+        </p:txBody>
+      </p:sp>
+    </p:spTree>
+    <p:extLst>
+      <p:ext uri="{BB962C8B-B14F-4D97-AF65-F5344CB8AC3E}">
+        <p14:creationId xmlns:p14="http://schemas.microsoft.com/office/powerpoint/2010/main" val="2579517461"/>
+      </p:ext>
+    </p:extLst>
+  </p:cSld>
+  <p:clrMapOvr>
+    <a:masterClrMapping/>
+  </p:clrMapOvr>
+</p:notes>
+</file>
+
+<file path=ppt/notesSlides/notesSlide2.xml><?xml version="1.0" encoding="utf-8"?>
+<p:notes xmlns:a="http://schemas.openxmlformats.org/drawingml/2006/main" xmlns:r="http://schemas.openxmlformats.org/officeDocument/2006/relationships" xmlns:p="http://schemas.openxmlformats.org/presentationml/2006/main">
+  <p:cSld>
+    <p:spTree>
+      <p:nvGrpSpPr>
+        <p:cNvPr id="1" name=""/>
+        <p:cNvGrpSpPr/>
+        <p:nvPr/>
+      </p:nvGrpSpPr>
+      <p:grpSpPr>
+        <a:xfrm>
+          <a:off x="0" y="0"/>
+          <a:ext cx="0" cy="0"/>
+          <a:chOff x="0" y="0"/>
+          <a:chExt cx="0" cy="0"/>
+        </a:xfrm>
+      </p:grpSpPr>
+      <p:sp>
+        <p:nvSpPr>
+          <p:cNvPr id="2" name="Slide Image Placeholder 1"/>
+          <p:cNvSpPr>
+            <a:spLocks noGrp="1" noRot="1" noChangeAspect="1"/>
+          </p:cNvSpPr>
+          <p:nvPr>
+            <p:ph type="sldImg"/>
+          </p:nvPr>
+        </p:nvSpPr>
+        <p:spPr/>
+      </p:sp>
+      <p:sp>
+        <p:nvSpPr>
+          <p:cNvPr id="3" name="Notes Placeholder 2"/>
+          <p:cNvSpPr>
+            <a:spLocks noGrp="1"/>
+          </p:cNvSpPr>
+          <p:nvPr>
+            <p:ph type="body" idx="1"/>
+          </p:nvPr>
+        </p:nvSpPr>
+        <p:spPr/>
+        <p:txBody>
+          <a:bodyPr/>
+          <a:lstStyle/>
+          <a:p>
+            <a:endParaRPr lang="en-AU" dirty="0"/>
+          </a:p>
+        </p:txBody>
+      </p:sp>
+      <p:sp>
+        <p:nvSpPr>
+          <p:cNvPr id="4" name="Slide Number Placeholder 3"/>
+          <p:cNvSpPr>
+            <a:spLocks noGrp="1"/>
+          </p:cNvSpPr>
+          <p:nvPr>
+            <p:ph type="sldNum" sz="quarter" idx="10"/>
+          </p:nvPr>
+        </p:nvSpPr>
+        <p:spPr/>
+        <p:txBody>
+          <a:bodyPr/>
+          <a:lstStyle/>
+          <a:p>
+            <a:fld id="{86CF100E-3E9B-45A6-B67E-875ABBDAD3F4}" type="slidenum">
+              <a:rPr lang="en-AU" smtClean="0"/>
               <a:t>2</a:t>
             </a:fld>
             <a:endParaRPr lang="en-AU"/>
@@ -605,7 +689,7 @@
           <a:p>
             <a:fld id="{4665E195-C89C-4871-8AE9-903FDB8B6D9D}" type="datetimeFigureOut">
               <a:rPr lang="en-US" smtClean="0"/>
-              <a:t>5/28/2016</a:t>
+              <a:t>5/29/2016</a:t>
             </a:fld>
             <a:endParaRPr lang="en-US"/>
           </a:p>
@@ -805,7 +889,7 @@
           <a:p>
             <a:fld id="{4665E195-C89C-4871-8AE9-903FDB8B6D9D}" type="datetimeFigureOut">
               <a:rPr lang="en-US" smtClean="0"/>
-              <a:t>5/28/2016</a:t>
+              <a:t>5/29/2016</a:t>
             </a:fld>
             <a:endParaRPr lang="en-US"/>
           </a:p>
@@ -975,7 +1059,7 @@
           <a:p>
             <a:fld id="{4665E195-C89C-4871-8AE9-903FDB8B6D9D}" type="datetimeFigureOut">
               <a:rPr lang="en-US" smtClean="0"/>
-              <a:t>5/28/2016</a:t>
+              <a:t>5/29/2016</a:t>
             </a:fld>
             <a:endParaRPr lang="en-US"/>
           </a:p>
@@ -1155,7 +1239,7 @@
           <a:p>
             <a:fld id="{4665E195-C89C-4871-8AE9-903FDB8B6D9D}" type="datetimeFigureOut">
               <a:rPr lang="en-US" smtClean="0"/>
-              <a:t>5/28/2016</a:t>
+              <a:t>5/29/2016</a:t>
             </a:fld>
             <a:endParaRPr lang="en-US"/>
           </a:p>
@@ -1325,7 +1409,7 @@
           <a:p>
             <a:fld id="{4665E195-C89C-4871-8AE9-903FDB8B6D9D}" type="datetimeFigureOut">
               <a:rPr lang="en-US" smtClean="0"/>
-              <a:t>5/28/2016</a:t>
+              <a:t>5/29/2016</a:t>
             </a:fld>
             <a:endParaRPr lang="en-US"/>
           </a:p>
@@ -1517,7 +1601,7 @@
           <a:p>
             <a:fld id="{4665E195-C89C-4871-8AE9-903FDB8B6D9D}" type="datetimeFigureOut">
               <a:rPr lang="en-US" smtClean="0"/>
-              <a:t>5/28/2016</a:t>
+              <a:t>5/29/2016</a:t>
             </a:fld>
             <a:endParaRPr lang="en-US"/>
           </a:p>
@@ -1805,7 +1889,7 @@
           <a:p>
             <a:fld id="{4665E195-C89C-4871-8AE9-903FDB8B6D9D}" type="datetimeFigureOut">
               <a:rPr lang="en-US" smtClean="0"/>
-              <a:t>5/28/2016</a:t>
+              <a:t>5/29/2016</a:t>
             </a:fld>
             <a:endParaRPr lang="en-US"/>
           </a:p>
@@ -2228,7 +2312,7 @@
           <a:p>
             <a:fld id="{4665E195-C89C-4871-8AE9-903FDB8B6D9D}" type="datetimeFigureOut">
               <a:rPr lang="en-US" smtClean="0"/>
-              <a:t>5/28/2016</a:t>
+              <a:t>5/29/2016</a:t>
             </a:fld>
             <a:endParaRPr lang="en-US"/>
           </a:p>
@@ -2346,7 +2430,7 @@
           <a:p>
             <a:fld id="{4665E195-C89C-4871-8AE9-903FDB8B6D9D}" type="datetimeFigureOut">
               <a:rPr lang="en-US" smtClean="0"/>
-              <a:t>5/28/2016</a:t>
+              <a:t>5/29/2016</a:t>
             </a:fld>
             <a:endParaRPr lang="en-US"/>
           </a:p>
@@ -2441,7 +2525,7 @@
           <a:p>
             <a:fld id="{4665E195-C89C-4871-8AE9-903FDB8B6D9D}" type="datetimeFigureOut">
               <a:rPr lang="en-US" smtClean="0"/>
-              <a:t>5/28/2016</a:t>
+              <a:t>5/29/2016</a:t>
             </a:fld>
             <a:endParaRPr lang="en-US"/>
           </a:p>
@@ -2718,7 +2802,7 @@
           <a:p>
             <a:fld id="{4665E195-C89C-4871-8AE9-903FDB8B6D9D}" type="datetimeFigureOut">
               <a:rPr lang="en-US" smtClean="0"/>
-              <a:t>5/28/2016</a:t>
+              <a:t>5/29/2016</a:t>
             </a:fld>
             <a:endParaRPr lang="en-US"/>
           </a:p>
@@ -3102,7 +3186,7 @@
           <a:p>
             <a:fld id="{4665E195-C89C-4871-8AE9-903FDB8B6D9D}" type="datetimeFigureOut">
               <a:rPr lang="en-US" smtClean="0"/>
-              <a:t>5/28/2016</a:t>
+              <a:t>5/29/2016</a:t>
             </a:fld>
             <a:endParaRPr lang="en-US"/>
           </a:p>
@@ -3524,7 +3608,7 @@
         </p:nvSpPr>
         <p:spPr>
           <a:xfrm>
-            <a:off x="373930" y="3775076"/>
+            <a:off x="373930" y="4341607"/>
             <a:ext cx="9144000" cy="1655762"/>
           </a:xfrm>
         </p:spPr>
@@ -3552,7 +3636,7 @@
         </p:nvSpPr>
         <p:spPr>
           <a:xfrm>
-            <a:off x="373930" y="1488209"/>
+            <a:off x="373930" y="2054740"/>
             <a:ext cx="9144000" cy="2387600"/>
           </a:xfrm>
         </p:spPr>
@@ -3595,7 +3679,7 @@
           <p:nvPr/>
         </p:nvPicPr>
         <p:blipFill>
-          <a:blip r:embed="rId2">
+          <a:blip r:embed="rId3">
             <a:extLst>
               <a:ext uri="{28A0092B-C50C-407E-A947-70E740481C1C}">
                 <a14:useLocalDpi xmlns:a14="http://schemas.microsoft.com/office/drawing/2010/main" val="0"/>
@@ -3628,7 +3712,7 @@
           <p:nvPr/>
         </p:nvPicPr>
         <p:blipFill>
-          <a:blip r:embed="rId3">
+          <a:blip r:embed="rId4">
             <a:extLst>
               <a:ext uri="{28A0092B-C50C-407E-A947-70E740481C1C}">
                 <a14:useLocalDpi xmlns:a14="http://schemas.microsoft.com/office/drawing/2010/main" val="0"/>
@@ -3643,6 +3727,230 @@
           <a:xfrm>
             <a:off x="6985262" y="4315704"/>
             <a:ext cx="5062193" cy="2300996"/>
+          </a:xfrm>
+          <a:prstGeom prst="rect">
+            <a:avLst/>
+          </a:prstGeom>
+        </p:spPr>
+      </p:pic>
+      <p:sp>
+        <p:nvSpPr>
+          <p:cNvPr id="6" name="Subtitle 2"/>
+          <p:cNvSpPr txBox="1">
+            <a:spLocks/>
+          </p:cNvSpPr>
+          <p:nvPr/>
+        </p:nvSpPr>
+        <p:spPr>
+          <a:xfrm>
+            <a:off x="372358" y="6149745"/>
+            <a:ext cx="9144000" cy="466955"/>
+          </a:xfrm>
+          <a:prstGeom prst="rect">
+            <a:avLst/>
+          </a:prstGeom>
+        </p:spPr>
+        <p:txBody>
+          <a:bodyPr vert="horz" lIns="91440" tIns="45720" rIns="91440" bIns="45720" rtlCol="0">
+            <a:normAutofit/>
+          </a:bodyPr>
+          <a:lstStyle>
+            <a:lvl1pPr marL="0" indent="0" algn="l" defTabSz="914400" rtl="0" eaLnBrk="1" latinLnBrk="0" hangingPunct="1">
+              <a:lnSpc>
+                <a:spcPct val="90000"/>
+              </a:lnSpc>
+              <a:spcBef>
+                <a:spcPct val="30000"/>
+              </a:spcBef>
+              <a:buFont typeface="Arial" panose="020B0604020202020204" pitchFamily="34" charset="0"/>
+              <a:buNone/>
+              <a:defRPr sz="2400" kern="1200">
+                <a:solidFill>
+                  <a:schemeClr val="accent2"/>
+                </a:solidFill>
+                <a:latin typeface="+mn-lt"/>
+                <a:ea typeface="+mn-ea"/>
+                <a:cs typeface="+mn-cs"/>
+              </a:defRPr>
+            </a:lvl1pPr>
+            <a:lvl2pPr marL="457200" indent="0" algn="ctr" defTabSz="914400" rtl="0" eaLnBrk="1" latinLnBrk="0" hangingPunct="1">
+              <a:lnSpc>
+                <a:spcPct val="90000"/>
+              </a:lnSpc>
+              <a:spcBef>
+                <a:spcPct val="30000"/>
+              </a:spcBef>
+              <a:buFont typeface="Arial" panose="020B0604020202020204" pitchFamily="34" charset="0"/>
+              <a:buNone/>
+              <a:defRPr sz="2000" kern="1200">
+                <a:solidFill>
+                  <a:schemeClr val="tx1"/>
+                </a:solidFill>
+                <a:latin typeface="+mn-lt"/>
+                <a:ea typeface="+mn-ea"/>
+                <a:cs typeface="+mn-cs"/>
+              </a:defRPr>
+            </a:lvl2pPr>
+            <a:lvl3pPr marL="914400" indent="0" algn="ctr" defTabSz="914400" rtl="0" eaLnBrk="1" latinLnBrk="0" hangingPunct="1">
+              <a:lnSpc>
+                <a:spcPct val="90000"/>
+              </a:lnSpc>
+              <a:spcBef>
+                <a:spcPct val="30000"/>
+              </a:spcBef>
+              <a:buFont typeface="Arial" panose="020B0604020202020204" pitchFamily="34" charset="0"/>
+              <a:buNone/>
+              <a:defRPr sz="1800" kern="1200">
+                <a:solidFill>
+                  <a:schemeClr val="tx1"/>
+                </a:solidFill>
+                <a:latin typeface="+mn-lt"/>
+                <a:ea typeface="+mn-ea"/>
+                <a:cs typeface="+mn-cs"/>
+              </a:defRPr>
+            </a:lvl3pPr>
+            <a:lvl4pPr marL="1371600" indent="0" algn="ctr" defTabSz="914400" rtl="0" eaLnBrk="1" latinLnBrk="0" hangingPunct="1">
+              <a:lnSpc>
+                <a:spcPct val="90000"/>
+              </a:lnSpc>
+              <a:spcBef>
+                <a:spcPct val="30000"/>
+              </a:spcBef>
+              <a:buFont typeface="Arial" panose="020B0604020202020204" pitchFamily="34" charset="0"/>
+              <a:buNone/>
+              <a:defRPr sz="1600" kern="1200">
+                <a:solidFill>
+                  <a:schemeClr val="tx1"/>
+                </a:solidFill>
+                <a:latin typeface="+mn-lt"/>
+                <a:ea typeface="+mn-ea"/>
+                <a:cs typeface="+mn-cs"/>
+              </a:defRPr>
+            </a:lvl4pPr>
+            <a:lvl5pPr marL="1828800" indent="0" algn="ctr" defTabSz="914400" rtl="0" eaLnBrk="1" latinLnBrk="0" hangingPunct="1">
+              <a:lnSpc>
+                <a:spcPct val="90000"/>
+              </a:lnSpc>
+              <a:spcBef>
+                <a:spcPct val="30000"/>
+              </a:spcBef>
+              <a:buFont typeface="Arial" panose="020B0604020202020204" pitchFamily="34" charset="0"/>
+              <a:buNone/>
+              <a:defRPr sz="1600" kern="1200">
+                <a:solidFill>
+                  <a:schemeClr val="tx1"/>
+                </a:solidFill>
+                <a:latin typeface="+mn-lt"/>
+                <a:ea typeface="+mn-ea"/>
+                <a:cs typeface="+mn-cs"/>
+              </a:defRPr>
+            </a:lvl5pPr>
+            <a:lvl6pPr marL="2286000" indent="0" algn="ctr" defTabSz="914400" rtl="0" eaLnBrk="1" latinLnBrk="0" hangingPunct="1">
+              <a:lnSpc>
+                <a:spcPct val="90000"/>
+              </a:lnSpc>
+              <a:spcBef>
+                <a:spcPct val="30000"/>
+              </a:spcBef>
+              <a:buFont typeface="Arial" panose="020B0604020202020204" pitchFamily="34" charset="0"/>
+              <a:buNone/>
+              <a:defRPr sz="1600" kern="1200">
+                <a:solidFill>
+                  <a:schemeClr val="tx1"/>
+                </a:solidFill>
+                <a:latin typeface="+mn-lt"/>
+                <a:ea typeface="+mn-ea"/>
+                <a:cs typeface="+mn-cs"/>
+              </a:defRPr>
+            </a:lvl6pPr>
+            <a:lvl7pPr marL="2743200" indent="0" algn="ctr" defTabSz="914400" rtl="0" eaLnBrk="1" latinLnBrk="0" hangingPunct="1">
+              <a:lnSpc>
+                <a:spcPct val="90000"/>
+              </a:lnSpc>
+              <a:spcBef>
+                <a:spcPct val="30000"/>
+              </a:spcBef>
+              <a:buFont typeface="Arial" panose="020B0604020202020204" pitchFamily="34" charset="0"/>
+              <a:buNone/>
+              <a:defRPr sz="1600" kern="1200">
+                <a:solidFill>
+                  <a:schemeClr val="tx1"/>
+                </a:solidFill>
+                <a:latin typeface="+mn-lt"/>
+                <a:ea typeface="+mn-ea"/>
+                <a:cs typeface="+mn-cs"/>
+              </a:defRPr>
+            </a:lvl7pPr>
+            <a:lvl8pPr marL="3200400" indent="0" algn="ctr" defTabSz="914400" rtl="0" eaLnBrk="1" latinLnBrk="0" hangingPunct="1">
+              <a:lnSpc>
+                <a:spcPct val="90000"/>
+              </a:lnSpc>
+              <a:spcBef>
+                <a:spcPct val="30000"/>
+              </a:spcBef>
+              <a:buFont typeface="Arial" panose="020B0604020202020204" pitchFamily="34" charset="0"/>
+              <a:buNone/>
+              <a:defRPr sz="1600" kern="1200">
+                <a:solidFill>
+                  <a:schemeClr val="tx1"/>
+                </a:solidFill>
+                <a:latin typeface="+mn-lt"/>
+                <a:ea typeface="+mn-ea"/>
+                <a:cs typeface="+mn-cs"/>
+              </a:defRPr>
+            </a:lvl8pPr>
+            <a:lvl9pPr marL="3657600" indent="0" algn="ctr" defTabSz="914400" rtl="0" eaLnBrk="1" latinLnBrk="0" hangingPunct="1">
+              <a:lnSpc>
+                <a:spcPct val="90000"/>
+              </a:lnSpc>
+              <a:spcBef>
+                <a:spcPct val="30000"/>
+              </a:spcBef>
+              <a:buFont typeface="Arial" panose="020B0604020202020204" pitchFamily="34" charset="0"/>
+              <a:buNone/>
+              <a:defRPr sz="1600" kern="1200">
+                <a:solidFill>
+                  <a:schemeClr val="tx1"/>
+                </a:solidFill>
+                <a:latin typeface="+mn-lt"/>
+                <a:ea typeface="+mn-ea"/>
+                <a:cs typeface="+mn-cs"/>
+              </a:defRPr>
+            </a:lvl9pPr>
+          </a:lstStyle>
+          <a:p>
+            <a:r>
+              <a:rPr lang="en-US" dirty="0" smtClean="0"/>
+              <a:t>By Arthur Sarvos</a:t>
+            </a:r>
+            <a:endParaRPr lang="en-US" dirty="0"/>
+          </a:p>
+        </p:txBody>
+      </p:sp>
+      <p:pic>
+        <p:nvPicPr>
+          <p:cNvPr id="8" name="Picture 7"/>
+          <p:cNvPicPr>
+            <a:picLocks noChangeAspect="1"/>
+          </p:cNvPicPr>
+          <p:nvPr/>
+        </p:nvPicPr>
+        <p:blipFill>
+          <a:blip r:embed="rId5">
+            <a:extLst>
+              <a:ext uri="{28A0092B-C50C-407E-A947-70E740481C1C}">
+                <a14:useLocalDpi xmlns:a14="http://schemas.microsoft.com/office/drawing/2010/main" val="0"/>
+              </a:ext>
+            </a:extLst>
+          </a:blip>
+          <a:stretch>
+            <a:fillRect/>
+          </a:stretch>
+        </p:blipFill>
+        <p:spPr>
+          <a:xfrm>
+            <a:off x="6210300" y="192944"/>
+            <a:ext cx="5715000" cy="3114675"/>
           </a:xfrm>
           <a:prstGeom prst="rect">
             <a:avLst/>
@@ -4820,17 +5128,12 @@
             </a:r>
             <a:r>
               <a:rPr lang="en-AU" dirty="0"/>
-              <a:t>of </a:t>
-            </a:r>
-            <a:r>
-              <a:rPr lang="en-AU" dirty="0"/>
-              <a:t>D</a:t>
+              <a:t>of D</a:t>
             </a:r>
             <a:r>
               <a:rPr lang="en-AU" dirty="0" smtClean="0"/>
               <a:t>ependants</a:t>
             </a:r>
-            <a:endParaRPr lang="en-AU" dirty="0" smtClean="0"/>
           </a:p>
           <a:p>
             <a:r>
@@ -4869,20 +5172,11 @@
               <a:rPr lang="en-AU" dirty="0" smtClean="0"/>
               <a:t>Alternative methods – Future development</a:t>
             </a:r>
-            <a:endParaRPr lang="en-AU" dirty="0" smtClean="0"/>
           </a:p>
           <a:p>
             <a:r>
               <a:rPr lang="en-AU" b="1" dirty="0" smtClean="0"/>
-              <a:t>Debt </a:t>
-            </a:r>
-            <a:r>
-              <a:rPr lang="en-AU" b="1" dirty="0" smtClean="0"/>
-              <a:t>ratio </a:t>
-            </a:r>
-            <a:r>
-              <a:rPr lang="en-AU" b="1" dirty="0" smtClean="0"/>
-              <a:t>incorrect </a:t>
+              <a:t>Debt ratio incorrect </a:t>
             </a:r>
             <a:r>
               <a:rPr lang="en-AU" dirty="0" smtClean="0"/>
